--- a/00. 설계/UI 설계.pptx
+++ b/00. 설계/UI 설계.pptx
@@ -269,7 +269,7 @@
           <a:p>
             <a:fld id="{D10E3CB5-134D-4A29-A05D-5C87D28C10D2}" type="datetimeFigureOut">
               <a:rPr lang="ko-KR" altLang="en-US" smtClean="0"/>
-              <a:t>2022-04-23</a:t>
+              <a:t>2022-04-24</a:t>
             </a:fld>
             <a:endParaRPr lang="ko-KR" altLang="en-US"/>
           </a:p>
@@ -467,7 +467,7 @@
           <a:p>
             <a:fld id="{D10E3CB5-134D-4A29-A05D-5C87D28C10D2}" type="datetimeFigureOut">
               <a:rPr lang="ko-KR" altLang="en-US" smtClean="0"/>
-              <a:t>2022-04-23</a:t>
+              <a:t>2022-04-24</a:t>
             </a:fld>
             <a:endParaRPr lang="ko-KR" altLang="en-US"/>
           </a:p>
@@ -675,7 +675,7 @@
           <a:p>
             <a:fld id="{D10E3CB5-134D-4A29-A05D-5C87D28C10D2}" type="datetimeFigureOut">
               <a:rPr lang="ko-KR" altLang="en-US" smtClean="0"/>
-              <a:t>2022-04-23</a:t>
+              <a:t>2022-04-24</a:t>
             </a:fld>
             <a:endParaRPr lang="ko-KR" altLang="en-US"/>
           </a:p>
@@ -873,7 +873,7 @@
           <a:p>
             <a:fld id="{D10E3CB5-134D-4A29-A05D-5C87D28C10D2}" type="datetimeFigureOut">
               <a:rPr lang="ko-KR" altLang="en-US" smtClean="0"/>
-              <a:t>2022-04-23</a:t>
+              <a:t>2022-04-24</a:t>
             </a:fld>
             <a:endParaRPr lang="ko-KR" altLang="en-US"/>
           </a:p>
@@ -1148,7 +1148,7 @@
           <a:p>
             <a:fld id="{D10E3CB5-134D-4A29-A05D-5C87D28C10D2}" type="datetimeFigureOut">
               <a:rPr lang="ko-KR" altLang="en-US" smtClean="0"/>
-              <a:t>2022-04-23</a:t>
+              <a:t>2022-04-24</a:t>
             </a:fld>
             <a:endParaRPr lang="ko-KR" altLang="en-US"/>
           </a:p>
@@ -1413,7 +1413,7 @@
           <a:p>
             <a:fld id="{D10E3CB5-134D-4A29-A05D-5C87D28C10D2}" type="datetimeFigureOut">
               <a:rPr lang="ko-KR" altLang="en-US" smtClean="0"/>
-              <a:t>2022-04-23</a:t>
+              <a:t>2022-04-24</a:t>
             </a:fld>
             <a:endParaRPr lang="ko-KR" altLang="en-US"/>
           </a:p>
@@ -1825,7 +1825,7 @@
           <a:p>
             <a:fld id="{D10E3CB5-134D-4A29-A05D-5C87D28C10D2}" type="datetimeFigureOut">
               <a:rPr lang="ko-KR" altLang="en-US" smtClean="0"/>
-              <a:t>2022-04-23</a:t>
+              <a:t>2022-04-24</a:t>
             </a:fld>
             <a:endParaRPr lang="ko-KR" altLang="en-US"/>
           </a:p>
@@ -1966,7 +1966,7 @@
           <a:p>
             <a:fld id="{D10E3CB5-134D-4A29-A05D-5C87D28C10D2}" type="datetimeFigureOut">
               <a:rPr lang="ko-KR" altLang="en-US" smtClean="0"/>
-              <a:t>2022-04-23</a:t>
+              <a:t>2022-04-24</a:t>
             </a:fld>
             <a:endParaRPr lang="ko-KR" altLang="en-US"/>
           </a:p>
@@ -2079,7 +2079,7 @@
           <a:p>
             <a:fld id="{D10E3CB5-134D-4A29-A05D-5C87D28C10D2}" type="datetimeFigureOut">
               <a:rPr lang="ko-KR" altLang="en-US" smtClean="0"/>
-              <a:t>2022-04-23</a:t>
+              <a:t>2022-04-24</a:t>
             </a:fld>
             <a:endParaRPr lang="ko-KR" altLang="en-US"/>
           </a:p>
@@ -2390,7 +2390,7 @@
           <a:p>
             <a:fld id="{D10E3CB5-134D-4A29-A05D-5C87D28C10D2}" type="datetimeFigureOut">
               <a:rPr lang="ko-KR" altLang="en-US" smtClean="0"/>
-              <a:t>2022-04-23</a:t>
+              <a:t>2022-04-24</a:t>
             </a:fld>
             <a:endParaRPr lang="ko-KR" altLang="en-US"/>
           </a:p>
@@ -2678,7 +2678,7 @@
           <a:p>
             <a:fld id="{D10E3CB5-134D-4A29-A05D-5C87D28C10D2}" type="datetimeFigureOut">
               <a:rPr lang="ko-KR" altLang="en-US" smtClean="0"/>
-              <a:t>2022-04-23</a:t>
+              <a:t>2022-04-24</a:t>
             </a:fld>
             <a:endParaRPr lang="ko-KR" altLang="en-US"/>
           </a:p>
@@ -2919,7 +2919,7 @@
           <a:p>
             <a:fld id="{D10E3CB5-134D-4A29-A05D-5C87D28C10D2}" type="datetimeFigureOut">
               <a:rPr lang="ko-KR" altLang="en-US" smtClean="0"/>
-              <a:t>2022-04-23</a:t>
+              <a:t>2022-04-24</a:t>
             </a:fld>
             <a:endParaRPr lang="ko-KR" altLang="en-US"/>
           </a:p>
@@ -7543,10 +7543,10 @@
       </p:grpSp>
       <p:sp>
         <p:nvSpPr>
-          <p:cNvPr id="41" name="직사각형 40">
+          <p:cNvPr id="42" name="직사각형 41">
             <a:extLst>
               <a:ext uri="{FF2B5EF4-FFF2-40B4-BE49-F238E27FC236}">
-                <a16:creationId xmlns:a16="http://schemas.microsoft.com/office/drawing/2014/main" id="{601ADD31-BCC0-4357-8226-3F313EBA8B35}"/>
+                <a16:creationId xmlns:a16="http://schemas.microsoft.com/office/drawing/2014/main" id="{BB7A3B46-8A51-4C3F-BC15-602EBE22828B}"/>
               </a:ext>
             </a:extLst>
           </p:cNvPr>
@@ -7555,8 +7555,8 @@
         </p:nvSpPr>
         <p:spPr>
           <a:xfrm>
-            <a:off x="932575" y="882242"/>
-            <a:ext cx="10384173" cy="736834"/>
+            <a:off x="931261" y="872455"/>
+            <a:ext cx="2097165" cy="5302127"/>
           </a:xfrm>
           <a:prstGeom prst="rect">
             <a:avLst/>
@@ -7586,66 +7586,6 @@
           <a:p>
             <a:pPr algn="ctr"/>
             <a:r>
-              <a:rPr lang="ko-KR" altLang="en-US">
-                <a:solidFill>
-                  <a:schemeClr val="tx1"/>
-                </a:solidFill>
-              </a:rPr>
-              <a:t>메인버튼영역</a:t>
-            </a:r>
-            <a:endParaRPr lang="ko-KR" altLang="en-US" dirty="0">
-              <a:solidFill>
-                <a:schemeClr val="tx1"/>
-              </a:solidFill>
-            </a:endParaRPr>
-          </a:p>
-        </p:txBody>
-      </p:sp>
-      <p:sp>
-        <p:nvSpPr>
-          <p:cNvPr id="42" name="직사각형 41">
-            <a:extLst>
-              <a:ext uri="{FF2B5EF4-FFF2-40B4-BE49-F238E27FC236}">
-                <a16:creationId xmlns:a16="http://schemas.microsoft.com/office/drawing/2014/main" id="{BB7A3B46-8A51-4C3F-BC15-602EBE22828B}"/>
-              </a:ext>
-            </a:extLst>
-          </p:cNvPr>
-          <p:cNvSpPr/>
-          <p:nvPr/>
-        </p:nvSpPr>
-        <p:spPr>
-          <a:xfrm>
-            <a:off x="931261" y="1662419"/>
-            <a:ext cx="2097165" cy="4512163"/>
-          </a:xfrm>
-          <a:prstGeom prst="rect">
-            <a:avLst/>
-          </a:prstGeom>
-          <a:noFill/>
-          <a:ln w="38100"/>
-        </p:spPr>
-        <p:style>
-          <a:lnRef idx="2">
-            <a:schemeClr val="accent3">
-              <a:shade val="50000"/>
-            </a:schemeClr>
-          </a:lnRef>
-          <a:fillRef idx="1">
-            <a:schemeClr val="accent3"/>
-          </a:fillRef>
-          <a:effectRef idx="0">
-            <a:schemeClr val="accent3"/>
-          </a:effectRef>
-          <a:fontRef idx="minor">
-            <a:schemeClr val="lt1"/>
-          </a:fontRef>
-        </p:style>
-        <p:txBody>
-          <a:bodyPr rtlCol="0" anchor="ctr"/>
-          <a:lstStyle/>
-          <a:p>
-            <a:pPr algn="ctr"/>
-            <a:r>
               <a:rPr lang="ko-KR" altLang="en-US" dirty="0">
                 <a:solidFill>
                   <a:schemeClr val="tx1"/>
@@ -7670,8 +7610,8 @@
         </p:nvSpPr>
         <p:spPr>
           <a:xfrm>
-            <a:off x="3070455" y="2105637"/>
-            <a:ext cx="8263072" cy="4068945"/>
+            <a:off x="3070455" y="1317073"/>
+            <a:ext cx="8263072" cy="4857510"/>
           </a:xfrm>
           <a:prstGeom prst="rect">
             <a:avLst/>
@@ -7793,7 +7733,7 @@
         </p:nvSpPr>
         <p:spPr>
           <a:xfrm>
-            <a:off x="3070456" y="1662419"/>
+            <a:off x="3070456" y="882243"/>
             <a:ext cx="8263072" cy="399875"/>
           </a:xfrm>
           <a:prstGeom prst="rect">

--- a/00. 설계/UI 설계.pptx
+++ b/00. 설계/UI 설계.pptx
@@ -276,7 +276,7 @@
           <a:p>
             <a:fld id="{D10E3CB5-134D-4A29-A05D-5C87D28C10D2}" type="datetimeFigureOut">
               <a:rPr lang="ko-KR" altLang="en-US" smtClean="0"/>
-              <a:t>2022-05-05</a:t>
+              <a:t>2022-05-06</a:t>
             </a:fld>
             <a:endParaRPr lang="ko-KR" altLang="en-US"/>
           </a:p>
@@ -474,7 +474,7 @@
           <a:p>
             <a:fld id="{D10E3CB5-134D-4A29-A05D-5C87D28C10D2}" type="datetimeFigureOut">
               <a:rPr lang="ko-KR" altLang="en-US" smtClean="0"/>
-              <a:t>2022-05-05</a:t>
+              <a:t>2022-05-06</a:t>
             </a:fld>
             <a:endParaRPr lang="ko-KR" altLang="en-US"/>
           </a:p>
@@ -682,7 +682,7 @@
           <a:p>
             <a:fld id="{D10E3CB5-134D-4A29-A05D-5C87D28C10D2}" type="datetimeFigureOut">
               <a:rPr lang="ko-KR" altLang="en-US" smtClean="0"/>
-              <a:t>2022-05-05</a:t>
+              <a:t>2022-05-06</a:t>
             </a:fld>
             <a:endParaRPr lang="ko-KR" altLang="en-US"/>
           </a:p>
@@ -880,7 +880,7 @@
           <a:p>
             <a:fld id="{D10E3CB5-134D-4A29-A05D-5C87D28C10D2}" type="datetimeFigureOut">
               <a:rPr lang="ko-KR" altLang="en-US" smtClean="0"/>
-              <a:t>2022-05-05</a:t>
+              <a:t>2022-05-06</a:t>
             </a:fld>
             <a:endParaRPr lang="ko-KR" altLang="en-US"/>
           </a:p>
@@ -1155,7 +1155,7 @@
           <a:p>
             <a:fld id="{D10E3CB5-134D-4A29-A05D-5C87D28C10D2}" type="datetimeFigureOut">
               <a:rPr lang="ko-KR" altLang="en-US" smtClean="0"/>
-              <a:t>2022-05-05</a:t>
+              <a:t>2022-05-06</a:t>
             </a:fld>
             <a:endParaRPr lang="ko-KR" altLang="en-US"/>
           </a:p>
@@ -1420,7 +1420,7 @@
           <a:p>
             <a:fld id="{D10E3CB5-134D-4A29-A05D-5C87D28C10D2}" type="datetimeFigureOut">
               <a:rPr lang="ko-KR" altLang="en-US" smtClean="0"/>
-              <a:t>2022-05-05</a:t>
+              <a:t>2022-05-06</a:t>
             </a:fld>
             <a:endParaRPr lang="ko-KR" altLang="en-US"/>
           </a:p>
@@ -1832,7 +1832,7 @@
           <a:p>
             <a:fld id="{D10E3CB5-134D-4A29-A05D-5C87D28C10D2}" type="datetimeFigureOut">
               <a:rPr lang="ko-KR" altLang="en-US" smtClean="0"/>
-              <a:t>2022-05-05</a:t>
+              <a:t>2022-05-06</a:t>
             </a:fld>
             <a:endParaRPr lang="ko-KR" altLang="en-US"/>
           </a:p>
@@ -1973,7 +1973,7 @@
           <a:p>
             <a:fld id="{D10E3CB5-134D-4A29-A05D-5C87D28C10D2}" type="datetimeFigureOut">
               <a:rPr lang="ko-KR" altLang="en-US" smtClean="0"/>
-              <a:t>2022-05-05</a:t>
+              <a:t>2022-05-06</a:t>
             </a:fld>
             <a:endParaRPr lang="ko-KR" altLang="en-US"/>
           </a:p>
@@ -2086,7 +2086,7 @@
           <a:p>
             <a:fld id="{D10E3CB5-134D-4A29-A05D-5C87D28C10D2}" type="datetimeFigureOut">
               <a:rPr lang="ko-KR" altLang="en-US" smtClean="0"/>
-              <a:t>2022-05-05</a:t>
+              <a:t>2022-05-06</a:t>
             </a:fld>
             <a:endParaRPr lang="ko-KR" altLang="en-US"/>
           </a:p>
@@ -2397,7 +2397,7 @@
           <a:p>
             <a:fld id="{D10E3CB5-134D-4A29-A05D-5C87D28C10D2}" type="datetimeFigureOut">
               <a:rPr lang="ko-KR" altLang="en-US" smtClean="0"/>
-              <a:t>2022-05-05</a:t>
+              <a:t>2022-05-06</a:t>
             </a:fld>
             <a:endParaRPr lang="ko-KR" altLang="en-US"/>
           </a:p>
@@ -2685,7 +2685,7 @@
           <a:p>
             <a:fld id="{D10E3CB5-134D-4A29-A05D-5C87D28C10D2}" type="datetimeFigureOut">
               <a:rPr lang="ko-KR" altLang="en-US" smtClean="0"/>
-              <a:t>2022-05-05</a:t>
+              <a:t>2022-05-06</a:t>
             </a:fld>
             <a:endParaRPr lang="ko-KR" altLang="en-US"/>
           </a:p>
@@ -2926,7 +2926,7 @@
           <a:p>
             <a:fld id="{D10E3CB5-134D-4A29-A05D-5C87D28C10D2}" type="datetimeFigureOut">
               <a:rPr lang="ko-KR" altLang="en-US" smtClean="0"/>
-              <a:t>2022-05-05</a:t>
+              <a:t>2022-05-06</a:t>
             </a:fld>
             <a:endParaRPr lang="ko-KR" altLang="en-US"/>
           </a:p>
@@ -21193,7 +21193,7 @@
                   <a:schemeClr val="tx1"/>
                 </a:solidFill>
               </a:rPr>
-              <a:t>저장</a:t>
+              <a:t>삭제</a:t>
             </a:r>
           </a:p>
         </p:txBody>
@@ -21604,29 +21604,8 @@
                   <a:schemeClr val="tx1"/>
                 </a:solidFill>
               </a:rPr>
-              <a:t>선택한</a:t>
-            </a:r>
-            <a:endParaRPr lang="en-US" altLang="ko-KR" dirty="0">
-              <a:solidFill>
-                <a:schemeClr val="tx1"/>
-              </a:solidFill>
-            </a:endParaRPr>
-          </a:p>
-          <a:p>
-            <a:pPr algn="ctr"/>
-            <a:r>
-              <a:rPr lang="ko-KR" altLang="en-US" dirty="0" err="1">
-                <a:solidFill>
-                  <a:schemeClr val="tx1"/>
-                </a:solidFill>
-              </a:rPr>
-              <a:t>공정명</a:t>
-            </a:r>
-            <a:endParaRPr lang="ko-KR" altLang="en-US" dirty="0">
-              <a:solidFill>
-                <a:schemeClr val="tx1"/>
-              </a:solidFill>
-            </a:endParaRPr>
+              <a:t>저장</a:t>
+            </a:r>
           </a:p>
         </p:txBody>
       </p:sp>
